--- a/covid19/presentation.pptx
+++ b/covid19/presentation.pptx
@@ -6055,7 +6055,7 @@
             </a:pPr>
             <a:r>
               <a:rPr/>
-              <a:t>Fills</a:t>
+              <a:t>My</a:t>
             </a:r>
             <a:r>
               <a:rPr/>
@@ -6063,7 +6063,7 @@
             </a:r>
             <a:r>
               <a:rPr/>
-              <a:t>in?</a:t>
+              <a:t>title</a:t>
             </a:r>
             <a:br/>
             <a:br/>
@@ -7176,14 +7176,7 @@
             <a:pPr lvl="1"/>
             <a:r>
               <a:rPr/>
-              <a:t>ted@biometix.com</a:t>
-            </a:r>
-          </a:p>
-          <a:p>
-            <a:pPr lvl="1"/>
-            <a:r>
-              <a:rPr/>
-              <a:t>Fills in?</a:t>
+              <a:t>My title</a:t>
             </a:r>
           </a:p>
         </p:txBody>
@@ -7474,62 +7467,27 @@
           </a:p>
         </p:txBody>
       </p:sp>
-      <p:pic>
-        <p:nvPicPr>
-          <p:cNvPr descr="020_virus_figs_00.eps" id="0" name="Picture 1"/>
-          <p:cNvPicPr>
-            <a:picLocks noGrp="1" noChangeAspect="1"/>
-          </p:cNvPicPr>
-          <p:nvPr/>
-        </p:nvPicPr>
-        <p:blipFill>
-          <a:blip r:embed="rId2"/>
-          <a:stretch>
-            <a:fillRect/>
-          </a:stretch>
-        </p:blipFill>
-        <p:spPr bwMode="auto">
-          <a:xfrm>
-            <a:off x="3200400" y="1422400"/>
-            <a:ext cx="5765800" cy="3848100"/>
-          </a:xfrm>
-          <a:prstGeom prst="rect">
-            <a:avLst/>
-          </a:prstGeom>
-          <a:noFill/>
-          <a:ln w="9525">
-            <a:noFill/>
-            <a:headEnd/>
-            <a:tailEnd/>
-          </a:ln>
-        </p:spPr>
-      </p:pic>
-      <p:sp>
-        <p:nvSpPr>
-          <p:cNvPr id="1" name="TextBox 3"/>
-          <p:cNvSpPr txBox="1"/>
-          <p:nvPr/>
-        </p:nvSpPr>
-        <p:spPr>
-          <a:xfrm>
-            <a:off x="901700" y="5270500"/>
-            <a:ext cx="10363200" cy="508000"/>
-          </a:xfrm>
-          <a:prstGeom prst="rect">
-            <a:avLst/>
-          </a:prstGeom>
-          <a:noFill/>
-        </p:spPr>
-        <p:txBody>
-          <a:bodyPr/>
-          <a:lstStyle/>
-          <a:p>
-            <a:pPr lvl="0" marL="0" indent="0" algn="ctr">
+      <p:sp>
+        <p:nvSpPr>
+          <p:cNvPr id="12" name="Content Placeholder 2"/>
+          <p:cNvSpPr>
+            <a:spLocks noGrp="1"/>
+          </p:cNvSpPr>
+          <p:nvPr>
+            <p:ph sz="quarter" idx="13"/>
+          </p:nvPr>
+        </p:nvSpPr>
+        <p:spPr/>
+        <p:txBody>
+          <a:bodyPr/>
+          <a:lstStyle/>
+          <a:p>
+            <a:pPr lvl="0" marL="0" indent="0">
               <a:buNone/>
             </a:pPr>
             <a:r>
               <a:rPr/>
-              <a:t>pstest</a:t>
+              <a:t>eps</a:t>
             </a:r>
           </a:p>
         </p:txBody>

--- a/covid19/presentation.pptx
+++ b/covid19/presentation.pptx
@@ -6055,15 +6055,7 @@
             </a:pPr>
             <a:r>
               <a:rPr/>
-              <a:t>My</a:t>
-            </a:r>
-            <a:r>
-              <a:rPr/>
-              <a:t> </a:t>
-            </a:r>
-            <a:r>
-              <a:rPr/>
-              <a:t>title</a:t>
+              <a:t>qwewr</a:t>
             </a:r>
             <a:br/>
             <a:br/>
@@ -6094,7 +6086,7 @@
             </a:pPr>
             <a:r>
               <a:rPr/>
-              <a:t>5th</a:t>
+              <a:t>15</a:t>
             </a:r>
             <a:r>
               <a:rPr/>
@@ -6102,7 +6094,7 @@
             </a:r>
             <a:r>
               <a:rPr/>
-              <a:t>March</a:t>
+              <a:t>Apr</a:t>
             </a:r>
             <a:r>
               <a:rPr/>
@@ -7176,7 +7168,7 @@
             <a:pPr lvl="1"/>
             <a:r>
               <a:rPr/>
-              <a:t>My title</a:t>
+              <a:t>qwewr</a:t>
             </a:r>
           </a:p>
         </p:txBody>

--- a/covid19/presentation.pptx
+++ b/covid19/presentation.pptx
@@ -6055,7 +6055,47 @@
             </a:pPr>
             <a:r>
               <a:rPr/>
-              <a:t>qwewr</a:t>
+              <a:t>Estimates</a:t>
+            </a:r>
+            <a:r>
+              <a:rPr/>
+              <a:t> </a:t>
+            </a:r>
+            <a:r>
+              <a:rPr/>
+              <a:t>of</a:t>
+            </a:r>
+            <a:r>
+              <a:rPr/>
+              <a:t> </a:t>
+            </a:r>
+            <a:r>
+              <a:rPr/>
+              <a:t>Covid-19</a:t>
+            </a:r>
+            <a:r>
+              <a:rPr/>
+              <a:t> </a:t>
+            </a:r>
+            <a:r>
+              <a:rPr/>
+              <a:t>Impact</a:t>
+            </a:r>
+            <a:r>
+              <a:rPr/>
+              <a:t> </a:t>
+            </a:r>
+            <a:r>
+              <a:rPr/>
+              <a:t>for</a:t>
+            </a:r>
+            <a:r>
+              <a:rPr/>
+              <a:t> </a:t>
+            </a:r>
+            <a:r>
+              <a:rPr/>
+              <a:t>Singapore</a:t>
             </a:r>
             <a:br/>
             <a:br/>
@@ -6086,7 +6126,7 @@
             </a:pPr>
             <a:r>
               <a:rPr/>
-              <a:t>15</a:t>
+              <a:t>5th</a:t>
             </a:r>
             <a:r>
               <a:rPr/>
@@ -6094,7 +6134,7 @@
             </a:r>
             <a:r>
               <a:rPr/>
-              <a:t>Apr</a:t>
+              <a:t>March</a:t>
             </a:r>
             <a:r>
               <a:rPr/>
@@ -7168,7 +7208,7 @@
             <a:pPr lvl="1"/>
             <a:r>
               <a:rPr/>
-              <a:t>qwewr</a:t>
+              <a:t>Estimates of Covid-19 Impact for Singapore</a:t>
             </a:r>
           </a:p>
         </p:txBody>

--- a/covid19/presentation.pptx
+++ b/covid19/presentation.pptx
@@ -6055,47 +6055,7 @@
             </a:pPr>
             <a:r>
               <a:rPr/>
-              <a:t>Estimates</a:t>
-            </a:r>
-            <a:r>
-              <a:rPr/>
-              <a:t> </a:t>
-            </a:r>
-            <a:r>
-              <a:rPr/>
-              <a:t>of</a:t>
-            </a:r>
-            <a:r>
-              <a:rPr/>
-              <a:t> </a:t>
-            </a:r>
-            <a:r>
-              <a:rPr/>
-              <a:t>Covid-19</a:t>
-            </a:r>
-            <a:r>
-              <a:rPr/>
-              <a:t> </a:t>
-            </a:r>
-            <a:r>
-              <a:rPr/>
-              <a:t>Impact</a:t>
-            </a:r>
-            <a:r>
-              <a:rPr/>
-              <a:t> </a:t>
-            </a:r>
-            <a:r>
-              <a:rPr/>
-              <a:t>for</a:t>
-            </a:r>
-            <a:r>
-              <a:rPr/>
-              <a:t> </a:t>
-            </a:r>
-            <a:r>
-              <a:rPr/>
-              <a:t>Singapore</a:t>
+              <a:t>Something</a:t>
             </a:r>
             <a:br/>
             <a:br/>
@@ -6126,7 +6086,7 @@
             </a:pPr>
             <a:r>
               <a:rPr/>
-              <a:t>5th</a:t>
+              <a:t>16</a:t>
             </a:r>
             <a:r>
               <a:rPr/>
@@ -6134,7 +6094,7 @@
             </a:r>
             <a:r>
               <a:rPr/>
-              <a:t>March</a:t>
+              <a:t>Apr</a:t>
             </a:r>
             <a:r>
               <a:rPr/>
@@ -7208,7 +7168,7 @@
             <a:pPr lvl="1"/>
             <a:r>
               <a:rPr/>
-              <a:t>Estimates of Covid-19 Impact for Singapore</a:t>
+              <a:t>Something</a:t>
             </a:r>
           </a:p>
         </p:txBody>
